--- a/PowerPoint_Project1.pptx
+++ b/PowerPoint_Project1.pptx
@@ -6,6 +6,10 @@
   </p:sldMasterIdLst>
   <p:sldIdLst>
     <p:sldId id="256" r:id="rId2"/>
+    <p:sldId id="257" r:id="rId3"/>
+    <p:sldId id="258" r:id="rId4"/>
+    <p:sldId id="260" r:id="rId5"/>
+    <p:sldId id="259" r:id="rId6"/>
   </p:sldIdLst>
   <p:sldSz cx="12192000" cy="6858000"/>
   <p:notesSz cx="6858000" cy="9144000"/>
@@ -104,6 +108,11 @@
       </a:defRPr>
     </a:lvl9pPr>
   </p:defaultTextStyle>
+  <p:extLst>
+    <p:ext uri="{EFAFB233-063F-42B5-8137-9DF3F51BA10A}">
+      <p15:sldGuideLst xmlns:p15="http://schemas.microsoft.com/office/powerpoint/2012/main"/>
+    </p:ext>
+  </p:extLst>
 </p:presentation>
 </file>
 
@@ -3339,19 +3348,19 @@
         </p:nvSpPr>
         <p:spPr>
           <a:xfrm>
-            <a:off x="1085850" y="1214438"/>
-            <a:ext cx="10020299" cy="2387600"/>
+            <a:off x="1085848" y="572494"/>
+            <a:ext cx="10020299" cy="997345"/>
           </a:xfrm>
         </p:spPr>
         <p:txBody>
           <a:bodyPr>
-            <a:normAutofit fontScale="90000"/>
+            <a:normAutofit/>
           </a:bodyPr>
           <a:lstStyle/>
           <a:p>
             <a:r>
               <a:rPr lang="en-US" dirty="0"/>
-              <a:t>Can New Mexico Embrace a Transition to 100% Clean Energy?</a:t>
+              <a:t>Clean Energy in New Mexico</a:t>
             </a:r>
           </a:p>
         </p:txBody>
@@ -3374,13 +3383,13 @@
         </p:nvSpPr>
         <p:spPr>
           <a:xfrm>
-            <a:off x="1523999" y="3887788"/>
-            <a:ext cx="9144000" cy="1655762"/>
+            <a:off x="1523996" y="4629743"/>
+            <a:ext cx="9144000" cy="1655763"/>
           </a:xfrm>
         </p:spPr>
         <p:txBody>
           <a:bodyPr>
-            <a:normAutofit lnSpcReduction="10000"/>
+            <a:normAutofit fontScale="92500" lnSpcReduction="10000"/>
           </a:bodyPr>
           <a:lstStyle/>
           <a:p>
@@ -3400,10 +3409,857 @@
           </a:p>
         </p:txBody>
       </p:sp>
+      <p:pic>
+        <p:nvPicPr>
+          <p:cNvPr id="4" name="Picture 3">
+            <a:extLst>
+              <a:ext uri="{FF2B5EF4-FFF2-40B4-BE49-F238E27FC236}">
+                <a16:creationId xmlns:a16="http://schemas.microsoft.com/office/drawing/2014/main" id="{C85887E1-C958-4928-9C01-FDDC0D4A73B8}"/>
+              </a:ext>
+            </a:extLst>
+          </p:cNvPr>
+          <p:cNvPicPr>
+            <a:picLocks noChangeAspect="1"/>
+          </p:cNvPicPr>
+          <p:nvPr/>
+        </p:nvPicPr>
+        <p:blipFill>
+          <a:blip r:embed="rId2"/>
+          <a:stretch>
+            <a:fillRect/>
+          </a:stretch>
+        </p:blipFill>
+        <p:spPr>
+          <a:xfrm>
+            <a:off x="2538408" y="1933176"/>
+            <a:ext cx="7115175" cy="3261122"/>
+          </a:xfrm>
+          <a:prstGeom prst="rect">
+            <a:avLst/>
+          </a:prstGeom>
+        </p:spPr>
+      </p:pic>
     </p:spTree>
     <p:extLst>
       <p:ext uri="{BB962C8B-B14F-4D97-AF65-F5344CB8AC3E}">
         <p14:creationId xmlns:p14="http://schemas.microsoft.com/office/powerpoint/2010/main" val="3843502821"/>
+      </p:ext>
+    </p:extLst>
+  </p:cSld>
+  <p:clrMapOvr>
+    <a:masterClrMapping/>
+  </p:clrMapOvr>
+</p:sld>
+</file>
+
+<file path=ppt/slides/slide2.xml><?xml version="1.0" encoding="utf-8"?>
+<p:sld xmlns:a="http://schemas.openxmlformats.org/drawingml/2006/main" xmlns:r="http://schemas.openxmlformats.org/officeDocument/2006/relationships" xmlns:p="http://schemas.openxmlformats.org/presentationml/2006/main">
+  <p:cSld>
+    <p:spTree>
+      <p:nvGrpSpPr>
+        <p:cNvPr id="1" name=""/>
+        <p:cNvGrpSpPr/>
+        <p:nvPr/>
+      </p:nvGrpSpPr>
+      <p:grpSpPr>
+        <a:xfrm>
+          <a:off x="0" y="0"/>
+          <a:ext cx="0" cy="0"/>
+          <a:chOff x="0" y="0"/>
+          <a:chExt cx="0" cy="0"/>
+        </a:xfrm>
+      </p:grpSpPr>
+      <p:sp>
+        <p:nvSpPr>
+          <p:cNvPr id="2" name="Title 1">
+            <a:extLst>
+              <a:ext uri="{FF2B5EF4-FFF2-40B4-BE49-F238E27FC236}">
+                <a16:creationId xmlns:a16="http://schemas.microsoft.com/office/drawing/2014/main" id="{25293716-5D48-474B-9D95-D952D7B0BD45}"/>
+              </a:ext>
+            </a:extLst>
+          </p:cNvPr>
+          <p:cNvSpPr>
+            <a:spLocks noGrp="1"/>
+          </p:cNvSpPr>
+          <p:nvPr>
+            <p:ph type="title"/>
+          </p:nvPr>
+        </p:nvSpPr>
+        <p:spPr/>
+        <p:txBody>
+          <a:bodyPr/>
+          <a:lstStyle/>
+          <a:p>
+            <a:r>
+              <a:rPr lang="en-US" b="1" dirty="0"/>
+              <a:t>New Mexico’s Energy Transition Act </a:t>
+            </a:r>
+          </a:p>
+        </p:txBody>
+      </p:sp>
+      <p:sp>
+        <p:nvSpPr>
+          <p:cNvPr id="3" name="Content Placeholder 2">
+            <a:extLst>
+              <a:ext uri="{FF2B5EF4-FFF2-40B4-BE49-F238E27FC236}">
+                <a16:creationId xmlns:a16="http://schemas.microsoft.com/office/drawing/2014/main" id="{A895BB41-802D-4646-B3C6-CBFCB2186A0B}"/>
+              </a:ext>
+            </a:extLst>
+          </p:cNvPr>
+          <p:cNvSpPr>
+            <a:spLocks noGrp="1"/>
+          </p:cNvSpPr>
+          <p:nvPr>
+            <p:ph idx="1"/>
+          </p:nvPr>
+        </p:nvSpPr>
+        <p:spPr/>
+        <p:txBody>
+          <a:bodyPr/>
+          <a:lstStyle/>
+          <a:p>
+            <a:r>
+              <a:rPr lang="en-US" dirty="0"/>
+              <a:t>Signed Friday, March 22, 2019</a:t>
+            </a:r>
+          </a:p>
+          <a:p>
+            <a:r>
+              <a:rPr lang="en-US" dirty="0"/>
+              <a:t>50% Carbon-Free Electricity by 2030</a:t>
+            </a:r>
+          </a:p>
+          <a:p>
+            <a:r>
+              <a:rPr lang="en-US" dirty="0"/>
+              <a:t>100% Carbon-Free Electricity by 2045</a:t>
+            </a:r>
+          </a:p>
+        </p:txBody>
+      </p:sp>
+      <p:sp>
+        <p:nvSpPr>
+          <p:cNvPr id="4" name="Title 1">
+            <a:extLst>
+              <a:ext uri="{FF2B5EF4-FFF2-40B4-BE49-F238E27FC236}">
+                <a16:creationId xmlns:a16="http://schemas.microsoft.com/office/drawing/2014/main" id="{4409EF56-30F8-4D4D-9A65-34A203A15459}"/>
+              </a:ext>
+            </a:extLst>
+          </p:cNvPr>
+          <p:cNvSpPr txBox="1">
+            <a:spLocks/>
+          </p:cNvSpPr>
+          <p:nvPr/>
+        </p:nvSpPr>
+        <p:spPr>
+          <a:xfrm>
+            <a:off x="923925" y="3067050"/>
+            <a:ext cx="10515600" cy="1024731"/>
+          </a:xfrm>
+          <a:prstGeom prst="rect">
+            <a:avLst/>
+          </a:prstGeom>
+        </p:spPr>
+        <p:txBody>
+          <a:bodyPr vert="horz" lIns="91440" tIns="45720" rIns="91440" bIns="45720" rtlCol="0" anchor="ctr">
+            <a:normAutofit/>
+          </a:bodyPr>
+          <a:lstStyle>
+            <a:lvl1pPr algn="l" defTabSz="914400" rtl="0" eaLnBrk="1" latinLnBrk="0" hangingPunct="1">
+              <a:lnSpc>
+                <a:spcPct val="90000"/>
+              </a:lnSpc>
+              <a:spcBef>
+                <a:spcPct val="0"/>
+              </a:spcBef>
+              <a:buNone/>
+              <a:defRPr sz="4400" kern="1200">
+                <a:solidFill>
+                  <a:schemeClr val="tx1"/>
+                </a:solidFill>
+                <a:latin typeface="+mj-lt"/>
+                <a:ea typeface="+mj-ea"/>
+                <a:cs typeface="+mj-cs"/>
+              </a:defRPr>
+            </a:lvl1pPr>
+          </a:lstStyle>
+          <a:p>
+            <a:endParaRPr lang="en-US" b="1" dirty="0"/>
+          </a:p>
+        </p:txBody>
+      </p:sp>
+      <p:sp>
+        <p:nvSpPr>
+          <p:cNvPr id="5" name="Content Placeholder 2">
+            <a:extLst>
+              <a:ext uri="{FF2B5EF4-FFF2-40B4-BE49-F238E27FC236}">
+                <a16:creationId xmlns:a16="http://schemas.microsoft.com/office/drawing/2014/main" id="{46C1FD7A-4541-4FF7-BA52-84B9B9E275BA}"/>
+              </a:ext>
+            </a:extLst>
+          </p:cNvPr>
+          <p:cNvSpPr txBox="1">
+            <a:spLocks/>
+          </p:cNvSpPr>
+          <p:nvPr/>
+        </p:nvSpPr>
+        <p:spPr>
+          <a:xfrm>
+            <a:off x="990600" y="4200524"/>
+            <a:ext cx="10515600" cy="2128837"/>
+          </a:xfrm>
+          <a:prstGeom prst="rect">
+            <a:avLst/>
+          </a:prstGeom>
+        </p:spPr>
+        <p:txBody>
+          <a:bodyPr vert="horz" lIns="91440" tIns="45720" rIns="91440" bIns="45720" rtlCol="0">
+            <a:normAutofit/>
+          </a:bodyPr>
+          <a:lstStyle>
+            <a:lvl1pPr marL="228600" indent="-228600" algn="l" defTabSz="914400" rtl="0" eaLnBrk="1" latinLnBrk="0" hangingPunct="1">
+              <a:lnSpc>
+                <a:spcPct val="90000"/>
+              </a:lnSpc>
+              <a:spcBef>
+                <a:spcPts val="1000"/>
+              </a:spcBef>
+              <a:buFont typeface="Arial" panose="020B0604020202020204" pitchFamily="34" charset="0"/>
+              <a:buChar char="•"/>
+              <a:defRPr sz="2800" kern="1200">
+                <a:solidFill>
+                  <a:schemeClr val="tx1"/>
+                </a:solidFill>
+                <a:latin typeface="+mn-lt"/>
+                <a:ea typeface="+mn-ea"/>
+                <a:cs typeface="+mn-cs"/>
+              </a:defRPr>
+            </a:lvl1pPr>
+            <a:lvl2pPr marL="685800" indent="-228600" algn="l" defTabSz="914400" rtl="0" eaLnBrk="1" latinLnBrk="0" hangingPunct="1">
+              <a:lnSpc>
+                <a:spcPct val="90000"/>
+              </a:lnSpc>
+              <a:spcBef>
+                <a:spcPts val="500"/>
+              </a:spcBef>
+              <a:buFont typeface="Arial" panose="020B0604020202020204" pitchFamily="34" charset="0"/>
+              <a:buChar char="•"/>
+              <a:defRPr sz="2400" kern="1200">
+                <a:solidFill>
+                  <a:schemeClr val="tx1"/>
+                </a:solidFill>
+                <a:latin typeface="+mn-lt"/>
+                <a:ea typeface="+mn-ea"/>
+                <a:cs typeface="+mn-cs"/>
+              </a:defRPr>
+            </a:lvl2pPr>
+            <a:lvl3pPr marL="1143000" indent="-228600" algn="l" defTabSz="914400" rtl="0" eaLnBrk="1" latinLnBrk="0" hangingPunct="1">
+              <a:lnSpc>
+                <a:spcPct val="90000"/>
+              </a:lnSpc>
+              <a:spcBef>
+                <a:spcPts val="500"/>
+              </a:spcBef>
+              <a:buFont typeface="Arial" panose="020B0604020202020204" pitchFamily="34" charset="0"/>
+              <a:buChar char="•"/>
+              <a:defRPr sz="2000" kern="1200">
+                <a:solidFill>
+                  <a:schemeClr val="tx1"/>
+                </a:solidFill>
+                <a:latin typeface="+mn-lt"/>
+                <a:ea typeface="+mn-ea"/>
+                <a:cs typeface="+mn-cs"/>
+              </a:defRPr>
+            </a:lvl3pPr>
+            <a:lvl4pPr marL="1600200" indent="-228600" algn="l" defTabSz="914400" rtl="0" eaLnBrk="1" latinLnBrk="0" hangingPunct="1">
+              <a:lnSpc>
+                <a:spcPct val="90000"/>
+              </a:lnSpc>
+              <a:spcBef>
+                <a:spcPts val="500"/>
+              </a:spcBef>
+              <a:buFont typeface="Arial" panose="020B0604020202020204" pitchFamily="34" charset="0"/>
+              <a:buChar char="•"/>
+              <a:defRPr sz="1800" kern="1200">
+                <a:solidFill>
+                  <a:schemeClr val="tx1"/>
+                </a:solidFill>
+                <a:latin typeface="+mn-lt"/>
+                <a:ea typeface="+mn-ea"/>
+                <a:cs typeface="+mn-cs"/>
+              </a:defRPr>
+            </a:lvl4pPr>
+            <a:lvl5pPr marL="2057400" indent="-228600" algn="l" defTabSz="914400" rtl="0" eaLnBrk="1" latinLnBrk="0" hangingPunct="1">
+              <a:lnSpc>
+                <a:spcPct val="90000"/>
+              </a:lnSpc>
+              <a:spcBef>
+                <a:spcPts val="500"/>
+              </a:spcBef>
+              <a:buFont typeface="Arial" panose="020B0604020202020204" pitchFamily="34" charset="0"/>
+              <a:buChar char="•"/>
+              <a:defRPr sz="1800" kern="1200">
+                <a:solidFill>
+                  <a:schemeClr val="tx1"/>
+                </a:solidFill>
+                <a:latin typeface="+mn-lt"/>
+                <a:ea typeface="+mn-ea"/>
+                <a:cs typeface="+mn-cs"/>
+              </a:defRPr>
+            </a:lvl5pPr>
+            <a:lvl6pPr marL="2514600" indent="-228600" algn="l" defTabSz="914400" rtl="0" eaLnBrk="1" latinLnBrk="0" hangingPunct="1">
+              <a:lnSpc>
+                <a:spcPct val="90000"/>
+              </a:lnSpc>
+              <a:spcBef>
+                <a:spcPts val="500"/>
+              </a:spcBef>
+              <a:buFont typeface="Arial" panose="020B0604020202020204" pitchFamily="34" charset="0"/>
+              <a:buChar char="•"/>
+              <a:defRPr sz="1800" kern="1200">
+                <a:solidFill>
+                  <a:schemeClr val="tx1"/>
+                </a:solidFill>
+                <a:latin typeface="+mn-lt"/>
+                <a:ea typeface="+mn-ea"/>
+                <a:cs typeface="+mn-cs"/>
+              </a:defRPr>
+            </a:lvl6pPr>
+            <a:lvl7pPr marL="2971800" indent="-228600" algn="l" defTabSz="914400" rtl="0" eaLnBrk="1" latinLnBrk="0" hangingPunct="1">
+              <a:lnSpc>
+                <a:spcPct val="90000"/>
+              </a:lnSpc>
+              <a:spcBef>
+                <a:spcPts val="500"/>
+              </a:spcBef>
+              <a:buFont typeface="Arial" panose="020B0604020202020204" pitchFamily="34" charset="0"/>
+              <a:buChar char="•"/>
+              <a:defRPr sz="1800" kern="1200">
+                <a:solidFill>
+                  <a:schemeClr val="tx1"/>
+                </a:solidFill>
+                <a:latin typeface="+mn-lt"/>
+                <a:ea typeface="+mn-ea"/>
+                <a:cs typeface="+mn-cs"/>
+              </a:defRPr>
+            </a:lvl7pPr>
+            <a:lvl8pPr marL="3429000" indent="-228600" algn="l" defTabSz="914400" rtl="0" eaLnBrk="1" latinLnBrk="0" hangingPunct="1">
+              <a:lnSpc>
+                <a:spcPct val="90000"/>
+              </a:lnSpc>
+              <a:spcBef>
+                <a:spcPts val="500"/>
+              </a:spcBef>
+              <a:buFont typeface="Arial" panose="020B0604020202020204" pitchFamily="34" charset="0"/>
+              <a:buChar char="•"/>
+              <a:defRPr sz="1800" kern="1200">
+                <a:solidFill>
+                  <a:schemeClr val="tx1"/>
+                </a:solidFill>
+                <a:latin typeface="+mn-lt"/>
+                <a:ea typeface="+mn-ea"/>
+                <a:cs typeface="+mn-cs"/>
+              </a:defRPr>
+            </a:lvl8pPr>
+            <a:lvl9pPr marL="3886200" indent="-228600" algn="l" defTabSz="914400" rtl="0" eaLnBrk="1" latinLnBrk="0" hangingPunct="1">
+              <a:lnSpc>
+                <a:spcPct val="90000"/>
+              </a:lnSpc>
+              <a:spcBef>
+                <a:spcPts val="500"/>
+              </a:spcBef>
+              <a:buFont typeface="Arial" panose="020B0604020202020204" pitchFamily="34" charset="0"/>
+              <a:buChar char="•"/>
+              <a:defRPr sz="1800" kern="1200">
+                <a:solidFill>
+                  <a:schemeClr val="tx1"/>
+                </a:solidFill>
+                <a:latin typeface="+mn-lt"/>
+                <a:ea typeface="+mn-ea"/>
+                <a:cs typeface="+mn-cs"/>
+              </a:defRPr>
+            </a:lvl9pPr>
+          </a:lstStyle>
+          <a:p>
+            <a:pPr marL="0" indent="0">
+              <a:buNone/>
+            </a:pPr>
+            <a:endParaRPr lang="en-US" dirty="0"/>
+          </a:p>
+        </p:txBody>
+      </p:sp>
+    </p:spTree>
+    <p:extLst>
+      <p:ext uri="{BB962C8B-B14F-4D97-AF65-F5344CB8AC3E}">
+        <p14:creationId xmlns:p14="http://schemas.microsoft.com/office/powerpoint/2010/main" val="232589624"/>
+      </p:ext>
+    </p:extLst>
+  </p:cSld>
+  <p:clrMapOvr>
+    <a:masterClrMapping/>
+  </p:clrMapOvr>
+</p:sld>
+</file>
+
+<file path=ppt/slides/slide3.xml><?xml version="1.0" encoding="utf-8"?>
+<p:sld xmlns:a="http://schemas.openxmlformats.org/drawingml/2006/main" xmlns:r="http://schemas.openxmlformats.org/officeDocument/2006/relationships" xmlns:p="http://schemas.openxmlformats.org/presentationml/2006/main">
+  <p:cSld>
+    <p:spTree>
+      <p:nvGrpSpPr>
+        <p:cNvPr id="1" name=""/>
+        <p:cNvGrpSpPr/>
+        <p:nvPr/>
+      </p:nvGrpSpPr>
+      <p:grpSpPr>
+        <a:xfrm>
+          <a:off x="0" y="0"/>
+          <a:ext cx="0" cy="0"/>
+          <a:chOff x="0" y="0"/>
+          <a:chExt cx="0" cy="0"/>
+        </a:xfrm>
+      </p:grpSpPr>
+      <p:sp>
+        <p:nvSpPr>
+          <p:cNvPr id="2" name="Title 1">
+            <a:extLst>
+              <a:ext uri="{FF2B5EF4-FFF2-40B4-BE49-F238E27FC236}">
+                <a16:creationId xmlns:a16="http://schemas.microsoft.com/office/drawing/2014/main" id="{0793BFBC-742B-48A6-88B4-2D6F06894334}"/>
+              </a:ext>
+            </a:extLst>
+          </p:cNvPr>
+          <p:cNvSpPr>
+            <a:spLocks noGrp="1"/>
+          </p:cNvSpPr>
+          <p:nvPr>
+            <p:ph type="title"/>
+          </p:nvPr>
+        </p:nvSpPr>
+        <p:spPr/>
+        <p:txBody>
+          <a:bodyPr/>
+          <a:lstStyle/>
+          <a:p>
+            <a:r>
+              <a:rPr lang="en-US" b="1" dirty="0"/>
+              <a:t>Why Renewable Energy? </a:t>
+            </a:r>
+          </a:p>
+        </p:txBody>
+      </p:sp>
+      <p:sp>
+        <p:nvSpPr>
+          <p:cNvPr id="3" name="Content Placeholder 2">
+            <a:extLst>
+              <a:ext uri="{FF2B5EF4-FFF2-40B4-BE49-F238E27FC236}">
+                <a16:creationId xmlns:a16="http://schemas.microsoft.com/office/drawing/2014/main" id="{EFF679BA-3C4E-4959-9690-106C5DAE7AF2}"/>
+              </a:ext>
+            </a:extLst>
+          </p:cNvPr>
+          <p:cNvSpPr>
+            <a:spLocks noGrp="1"/>
+          </p:cNvSpPr>
+          <p:nvPr>
+            <p:ph idx="1"/>
+          </p:nvPr>
+        </p:nvSpPr>
+        <p:spPr/>
+        <p:txBody>
+          <a:bodyPr>
+            <a:normAutofit/>
+          </a:bodyPr>
+          <a:lstStyle/>
+          <a:p>
+            <a:r>
+              <a:rPr lang="en-US" b="1" dirty="0"/>
+              <a:t>New Mexico </a:t>
+            </a:r>
+            <a:r>
+              <a:rPr lang="en-US" dirty="0"/>
+              <a:t>has much to offer:</a:t>
+            </a:r>
+          </a:p>
+          <a:p>
+            <a:pPr lvl="1"/>
+            <a:r>
+              <a:rPr lang="en-US" dirty="0"/>
+              <a:t>#2 Sunniest State</a:t>
+            </a:r>
+          </a:p>
+          <a:p>
+            <a:pPr lvl="1"/>
+            <a:r>
+              <a:rPr lang="en-US" dirty="0"/>
+              <a:t>#12 Windiest State</a:t>
+            </a:r>
+          </a:p>
+          <a:p>
+            <a:pPr lvl="1"/>
+            <a:r>
+              <a:rPr lang="en-US" dirty="0"/>
+              <a:t>#7 Geothermal Potential </a:t>
+            </a:r>
+          </a:p>
+          <a:p>
+            <a:pPr lvl="1"/>
+            <a:r>
+              <a:rPr lang="en-US" dirty="0"/>
+              <a:t>#5 Largest State by Area</a:t>
+            </a:r>
+          </a:p>
+          <a:p>
+            <a:pPr lvl="1"/>
+            <a:r>
+              <a:rPr lang="en-US" dirty="0"/>
+              <a:t>#6 Least Densely Populated</a:t>
+            </a:r>
+          </a:p>
+          <a:p>
+            <a:pPr lvl="2"/>
+            <a:r>
+              <a:rPr lang="en-US" dirty="0"/>
+              <a:t>1:4 New Mexicans live in Albuquerque</a:t>
+            </a:r>
+          </a:p>
+          <a:p>
+            <a:r>
+              <a:rPr lang="en-US" dirty="0"/>
+              <a:t>Job Creation</a:t>
+            </a:r>
+          </a:p>
+          <a:p>
+            <a:r>
+              <a:rPr lang="en-US" dirty="0"/>
+              <a:t>Improved Air Quality and Health</a:t>
+            </a:r>
+          </a:p>
+          <a:p>
+            <a:r>
+              <a:rPr lang="en-US" dirty="0"/>
+              <a:t>Lower Health Care and Energy Costs</a:t>
+            </a:r>
+          </a:p>
+        </p:txBody>
+      </p:sp>
+      <p:pic>
+        <p:nvPicPr>
+          <p:cNvPr id="4" name="Picture 3">
+            <a:extLst>
+              <a:ext uri="{FF2B5EF4-FFF2-40B4-BE49-F238E27FC236}">
+                <a16:creationId xmlns:a16="http://schemas.microsoft.com/office/drawing/2014/main" id="{3876BE84-922F-408D-A3BC-021F01469568}"/>
+              </a:ext>
+            </a:extLst>
+          </p:cNvPr>
+          <p:cNvPicPr>
+            <a:picLocks noChangeAspect="1"/>
+          </p:cNvPicPr>
+          <p:nvPr/>
+        </p:nvPicPr>
+        <p:blipFill>
+          <a:blip r:embed="rId2"/>
+          <a:stretch>
+            <a:fillRect/>
+          </a:stretch>
+        </p:blipFill>
+        <p:spPr>
+          <a:xfrm>
+            <a:off x="6899532" y="1391388"/>
+            <a:ext cx="4568568" cy="4785575"/>
+          </a:xfrm>
+          <a:prstGeom prst="rect">
+            <a:avLst/>
+          </a:prstGeom>
+        </p:spPr>
+      </p:pic>
+    </p:spTree>
+    <p:extLst>
+      <p:ext uri="{BB962C8B-B14F-4D97-AF65-F5344CB8AC3E}">
+        <p14:creationId xmlns:p14="http://schemas.microsoft.com/office/powerpoint/2010/main" val="3249786399"/>
+      </p:ext>
+    </p:extLst>
+  </p:cSld>
+  <p:clrMapOvr>
+    <a:masterClrMapping/>
+  </p:clrMapOvr>
+</p:sld>
+</file>
+
+<file path=ppt/slides/slide4.xml><?xml version="1.0" encoding="utf-8"?>
+<p:sld xmlns:a="http://schemas.openxmlformats.org/drawingml/2006/main" xmlns:r="http://schemas.openxmlformats.org/officeDocument/2006/relationships" xmlns:p="http://schemas.openxmlformats.org/presentationml/2006/main">
+  <p:cSld>
+    <p:spTree>
+      <p:nvGrpSpPr>
+        <p:cNvPr id="1" name=""/>
+        <p:cNvGrpSpPr/>
+        <p:nvPr/>
+      </p:nvGrpSpPr>
+      <p:grpSpPr>
+        <a:xfrm>
+          <a:off x="0" y="0"/>
+          <a:ext cx="0" cy="0"/>
+          <a:chOff x="0" y="0"/>
+          <a:chExt cx="0" cy="0"/>
+        </a:xfrm>
+      </p:grpSpPr>
+      <p:sp>
+        <p:nvSpPr>
+          <p:cNvPr id="2" name="Title 1">
+            <a:extLst>
+              <a:ext uri="{FF2B5EF4-FFF2-40B4-BE49-F238E27FC236}">
+                <a16:creationId xmlns:a16="http://schemas.microsoft.com/office/drawing/2014/main" id="{9D3AA66D-0919-49EA-B8BC-F2003BF3973C}"/>
+              </a:ext>
+            </a:extLst>
+          </p:cNvPr>
+          <p:cNvSpPr>
+            <a:spLocks noGrp="1"/>
+          </p:cNvSpPr>
+          <p:nvPr>
+            <p:ph type="title"/>
+          </p:nvPr>
+        </p:nvSpPr>
+        <p:spPr/>
+        <p:txBody>
+          <a:bodyPr/>
+          <a:lstStyle/>
+          <a:p>
+            <a:pPr algn="ctr"/>
+            <a:r>
+              <a:rPr lang="en-US" b="1" dirty="0"/>
+              <a:t>Current Breakdown of Generation</a:t>
+            </a:r>
+          </a:p>
+        </p:txBody>
+      </p:sp>
+      <p:sp>
+        <p:nvSpPr>
+          <p:cNvPr id="3" name="Content Placeholder 2">
+            <a:extLst>
+              <a:ext uri="{FF2B5EF4-FFF2-40B4-BE49-F238E27FC236}">
+                <a16:creationId xmlns:a16="http://schemas.microsoft.com/office/drawing/2014/main" id="{EDE4EE3F-9709-4967-BD83-9B765B0FCA1E}"/>
+              </a:ext>
+            </a:extLst>
+          </p:cNvPr>
+          <p:cNvSpPr>
+            <a:spLocks noGrp="1"/>
+          </p:cNvSpPr>
+          <p:nvPr>
+            <p:ph idx="1"/>
+          </p:nvPr>
+        </p:nvSpPr>
+        <p:spPr>
+          <a:xfrm>
+            <a:off x="3929060" y="5734050"/>
+            <a:ext cx="4333875" cy="323851"/>
+          </a:xfrm>
+        </p:spPr>
+        <p:txBody>
+          <a:bodyPr>
+            <a:normAutofit/>
+          </a:bodyPr>
+          <a:lstStyle/>
+          <a:p>
+            <a:pPr marL="0" indent="0" algn="ctr">
+              <a:buNone/>
+            </a:pPr>
+            <a:r>
+              <a:rPr lang="en-US" sz="1200" dirty="0"/>
+              <a:t>(As of December 2018)</a:t>
+            </a:r>
+          </a:p>
+        </p:txBody>
+      </p:sp>
+      <p:pic>
+        <p:nvPicPr>
+          <p:cNvPr id="4" name="Picture 3">
+            <a:extLst>
+              <a:ext uri="{FF2B5EF4-FFF2-40B4-BE49-F238E27FC236}">
+                <a16:creationId xmlns:a16="http://schemas.microsoft.com/office/drawing/2014/main" id="{20EDB1EE-8555-417D-9F48-B8E314C29A0A}"/>
+              </a:ext>
+            </a:extLst>
+          </p:cNvPr>
+          <p:cNvPicPr>
+            <a:picLocks noChangeAspect="1"/>
+          </p:cNvPicPr>
+          <p:nvPr/>
+        </p:nvPicPr>
+        <p:blipFill>
+          <a:blip r:embed="rId2"/>
+          <a:stretch>
+            <a:fillRect/>
+          </a:stretch>
+        </p:blipFill>
+        <p:spPr>
+          <a:xfrm>
+            <a:off x="3376611" y="1690688"/>
+            <a:ext cx="5438775" cy="3905250"/>
+          </a:xfrm>
+          <a:prstGeom prst="rect">
+            <a:avLst/>
+          </a:prstGeom>
+        </p:spPr>
+      </p:pic>
+    </p:spTree>
+    <p:extLst>
+      <p:ext uri="{BB962C8B-B14F-4D97-AF65-F5344CB8AC3E}">
+        <p14:creationId xmlns:p14="http://schemas.microsoft.com/office/powerpoint/2010/main" val="3917956448"/>
+      </p:ext>
+    </p:extLst>
+  </p:cSld>
+  <p:clrMapOvr>
+    <a:masterClrMapping/>
+  </p:clrMapOvr>
+</p:sld>
+</file>
+
+<file path=ppt/slides/slide5.xml><?xml version="1.0" encoding="utf-8"?>
+<p:sld xmlns:a="http://schemas.openxmlformats.org/drawingml/2006/main" xmlns:r="http://schemas.openxmlformats.org/officeDocument/2006/relationships" xmlns:p="http://schemas.openxmlformats.org/presentationml/2006/main">
+  <p:cSld>
+    <p:spTree>
+      <p:nvGrpSpPr>
+        <p:cNvPr id="1" name=""/>
+        <p:cNvGrpSpPr/>
+        <p:nvPr/>
+      </p:nvGrpSpPr>
+      <p:grpSpPr>
+        <a:xfrm>
+          <a:off x="0" y="0"/>
+          <a:ext cx="0" cy="0"/>
+          <a:chOff x="0" y="0"/>
+          <a:chExt cx="0" cy="0"/>
+        </a:xfrm>
+      </p:grpSpPr>
+      <p:sp>
+        <p:nvSpPr>
+          <p:cNvPr id="2" name="Title 1">
+            <a:extLst>
+              <a:ext uri="{FF2B5EF4-FFF2-40B4-BE49-F238E27FC236}">
+                <a16:creationId xmlns:a16="http://schemas.microsoft.com/office/drawing/2014/main" id="{2CDD563F-B604-47B7-9DFD-516B57F96A16}"/>
+              </a:ext>
+            </a:extLst>
+          </p:cNvPr>
+          <p:cNvSpPr>
+            <a:spLocks noGrp="1"/>
+          </p:cNvSpPr>
+          <p:nvPr>
+            <p:ph type="title"/>
+          </p:nvPr>
+        </p:nvSpPr>
+        <p:spPr/>
+        <p:txBody>
+          <a:bodyPr/>
+          <a:lstStyle/>
+          <a:p>
+            <a:r>
+              <a:rPr lang="en-US" b="1" dirty="0"/>
+              <a:t>Sources</a:t>
+            </a:r>
+          </a:p>
+        </p:txBody>
+      </p:sp>
+      <p:sp>
+        <p:nvSpPr>
+          <p:cNvPr id="3" name="Content Placeholder 2">
+            <a:extLst>
+              <a:ext uri="{FF2B5EF4-FFF2-40B4-BE49-F238E27FC236}">
+                <a16:creationId xmlns:a16="http://schemas.microsoft.com/office/drawing/2014/main" id="{68D5D956-FFBD-4654-B14E-EC70EACA8D77}"/>
+              </a:ext>
+            </a:extLst>
+          </p:cNvPr>
+          <p:cNvSpPr>
+            <a:spLocks noGrp="1"/>
+          </p:cNvSpPr>
+          <p:nvPr>
+            <p:ph idx="1"/>
+          </p:nvPr>
+        </p:nvSpPr>
+        <p:spPr/>
+        <p:txBody>
+          <a:bodyPr/>
+          <a:lstStyle/>
+          <a:p>
+            <a:r>
+              <a:rPr lang="en-US" dirty="0"/>
+              <a:t>Slide 1 image: </a:t>
+            </a:r>
+            <a:r>
+              <a:rPr lang="en-US" u="sng" dirty="0">
+                <a:solidFill>
+                  <a:srgbClr val="0070C0"/>
+                </a:solidFill>
+                <a:hlinkClick r:id="rId2">
+                  <a:extLst>
+                    <a:ext uri="{A12FA001-AC4F-418D-AE19-62706E023703}">
+                      <ahyp:hlinkClr xmlns:ahyp="http://schemas.microsoft.com/office/drawing/2018/hyperlinkcolor" val="tx"/>
+                    </a:ext>
+                  </a:extLst>
+                </a:hlinkClick>
+              </a:rPr>
+              <a:t>https://www.ucsusa.org/clean-energy/increase-renewable-energy/new-mexico-renewables</a:t>
+            </a:r>
+            <a:endParaRPr lang="en-US" u="sng" dirty="0">
+              <a:solidFill>
+                <a:srgbClr val="0070C0"/>
+              </a:solidFill>
+            </a:endParaRPr>
+          </a:p>
+          <a:p>
+            <a:r>
+              <a:rPr lang="en-US" dirty="0"/>
+              <a:t>Slide 3 image: </a:t>
+            </a:r>
+            <a:r>
+              <a:rPr lang="en-US" u="sng" dirty="0">
+                <a:solidFill>
+                  <a:srgbClr val="0070C0"/>
+                </a:solidFill>
+                <a:hlinkClick r:id="rId3">
+                  <a:extLst>
+                    <a:ext uri="{A12FA001-AC4F-418D-AE19-62706E023703}">
+                      <ahyp:hlinkClr xmlns:ahyp="http://schemas.microsoft.com/office/drawing/2018/hyperlinkcolor" val="tx"/>
+                    </a:ext>
+                  </a:extLst>
+                </a:hlinkClick>
+              </a:rPr>
+              <a:t>https://agoabq.org/about-us/</a:t>
+            </a:r>
+            <a:endParaRPr lang="en-US" u="sng" dirty="0">
+              <a:solidFill>
+                <a:srgbClr val="0070C0"/>
+              </a:solidFill>
+            </a:endParaRPr>
+          </a:p>
+          <a:p>
+            <a:r>
+              <a:rPr lang="en-US" dirty="0"/>
+              <a:t>Data: </a:t>
+            </a:r>
+            <a:r>
+              <a:rPr lang="en-US" u="sng" dirty="0">
+                <a:solidFill>
+                  <a:srgbClr val="0070C0"/>
+                </a:solidFill>
+              </a:rPr>
+              <a:t>eia.gov</a:t>
+            </a:r>
+          </a:p>
+          <a:p>
+            <a:r>
+              <a:rPr lang="en-US" dirty="0"/>
+              <a:t>API: </a:t>
+            </a:r>
+            <a:r>
+              <a:rPr lang="en-US" u="sng" dirty="0">
+                <a:solidFill>
+                  <a:srgbClr val="0070C0"/>
+                </a:solidFill>
+              </a:rPr>
+              <a:t>https://www.eia.gov/opendata/register.php</a:t>
+            </a:r>
+          </a:p>
+        </p:txBody>
+      </p:sp>
+    </p:spTree>
+    <p:extLst>
+      <p:ext uri="{BB962C8B-B14F-4D97-AF65-F5344CB8AC3E}">
+        <p14:creationId xmlns:p14="http://schemas.microsoft.com/office/powerpoint/2010/main" val="47649454"/>
       </p:ext>
     </p:extLst>
   </p:cSld>
